--- a/Notebooks/EngineeringNotebook/MS-PowerPoint-Files/tsWxGTUI_PyVx/UseCase_8_ManPages.pptx
+++ b/Notebooks/EngineeringNotebook/MS-PowerPoint-Files/tsWxGTUI_PyVx/UseCase_8_ManPages.pptx
@@ -286,7 +286,7 @@
               <a:pPr>
                 <a:defRPr/>
               </a:pPr>
-              <a:t>11/29/2015</a:t>
+              <a:t>12/23/2016</a:t>
             </a:fld>
             <a:endParaRPr lang="en-US"/>
           </a:p>
@@ -523,7 +523,7 @@
               <a:pPr>
                 <a:defRPr/>
               </a:pPr>
-              <a:t>11/29/2015</a:t>
+              <a:t>12/23/2016</a:t>
             </a:fld>
             <a:endParaRPr lang="en-US"/>
           </a:p>
@@ -595,35 +595,35 @@
           <a:p>
             <a:pPr lvl="0"/>
             <a:r>
-              <a:rPr lang="en-US" noProof="0" smtClean="0"/>
+              <a:rPr lang="en-US" noProof="0"/>
               <a:t>Click to edit Master text styles</a:t>
             </a:r>
           </a:p>
           <a:p>
             <a:pPr lvl="1"/>
             <a:r>
-              <a:rPr lang="en-US" noProof="0" smtClean="0"/>
+              <a:rPr lang="en-US" noProof="0"/>
               <a:t>Second level</a:t>
             </a:r>
           </a:p>
           <a:p>
             <a:pPr lvl="2"/>
             <a:r>
-              <a:rPr lang="en-US" noProof="0" smtClean="0"/>
+              <a:rPr lang="en-US" noProof="0"/>
               <a:t>Third level</a:t>
             </a:r>
           </a:p>
           <a:p>
             <a:pPr lvl="3"/>
             <a:r>
-              <a:rPr lang="en-US" noProof="0" smtClean="0"/>
+              <a:rPr lang="en-US" noProof="0"/>
               <a:t>Fourth level</a:t>
             </a:r>
           </a:p>
           <a:p>
             <a:pPr lvl="4"/>
             <a:r>
-              <a:rPr lang="en-US" noProof="0" smtClean="0"/>
+              <a:rPr lang="en-US" noProof="0"/>
               <a:t>Fifth level</a:t>
             </a:r>
           </a:p>
@@ -910,7 +910,7 @@
           <a:lstStyle/>
           <a:p>
             <a:pPr eaLnBrk="1" hangingPunct="1"/>
-            <a:endParaRPr lang="en-US" smtClean="0"/>
+            <a:endParaRPr lang="en-US"/>
           </a:p>
         </p:txBody>
       </p:sp>
@@ -977,7 +977,7 @@
           <a:lstStyle/>
           <a:p>
             <a:pPr eaLnBrk="1" hangingPunct="1"/>
-            <a:endParaRPr lang="en-US" smtClean="0"/>
+            <a:endParaRPr lang="en-US"/>
           </a:p>
         </p:txBody>
       </p:sp>
@@ -1436,7 +1436,7 @@
             </a:pPr>
             <a:fld id="{B5B52024-79AA-4062-8229-397D9E214550}" type="datetime1">
               <a:rPr lang="en-US" smtClean="0"/>
-              <a:t>11/29/2015</a:t>
+              <a:t>12/23/2016</a:t>
             </a:fld>
             <a:endParaRPr lang="en-US"/>
           </a:p>
@@ -1474,10 +1474,9 @@
               <a:defRPr/>
             </a:pPr>
             <a:r>
-              <a:rPr lang="en-US" dirty="0" smtClean="0"/>
+              <a:rPr lang="en-US" dirty="0"/>
               <a:t>TeamSTARS "tsWxGTUI_PyVx" Toolkit prepared &amp; presented by Richard S. Gordon</a:t>
             </a:r>
-            <a:endParaRPr lang="en-US" dirty="0"/>
           </a:p>
         </p:txBody>
       </p:sp>
@@ -1642,7 +1641,7 @@
             </a:pPr>
             <a:fld id="{5534B48B-48D4-4D1F-B98F-2ED8E1B04ED0}" type="datetime1">
               <a:rPr lang="en-US" smtClean="0"/>
-              <a:t>11/29/2015</a:t>
+              <a:t>12/23/2016</a:t>
             </a:fld>
             <a:endParaRPr lang="en-US"/>
           </a:p>
@@ -1673,10 +1672,9 @@
               <a:defRPr/>
             </a:pPr>
             <a:r>
-              <a:rPr lang="en-US" dirty="0" smtClean="0"/>
+              <a:rPr lang="en-US" dirty="0"/>
               <a:t>TeamSTARS "tsWxGTUI_PyVx" Toolkit prepared &amp; presented by Richard S. Gordon</a:t>
             </a:r>
-            <a:endParaRPr lang="en-US" dirty="0"/>
           </a:p>
         </p:txBody>
       </p:sp>
@@ -1844,7 +1842,7 @@
             </a:pPr>
             <a:fld id="{C3557E2B-7DD4-4DCF-9DDD-7786167218C6}" type="datetime1">
               <a:rPr lang="en-US" smtClean="0"/>
-              <a:t>11/29/2015</a:t>
+              <a:t>12/23/2016</a:t>
             </a:fld>
             <a:endParaRPr lang="en-US"/>
           </a:p>
@@ -1875,10 +1873,9 @@
               <a:defRPr/>
             </a:pPr>
             <a:r>
-              <a:rPr lang="en-US" dirty="0" smtClean="0"/>
+              <a:rPr lang="en-US" dirty="0"/>
               <a:t>TeamSTARS "tsWxGTUI_PyVx" Toolkit prepared &amp; presented by Richard S. Gordon</a:t>
             </a:r>
-            <a:endParaRPr lang="en-US" dirty="0"/>
           </a:p>
         </p:txBody>
       </p:sp>
@@ -2036,7 +2033,7 @@
             </a:pPr>
             <a:fld id="{65B11A62-63AA-4067-ACEB-AA6A42CE3A38}" type="datetime1">
               <a:rPr lang="en-US" smtClean="0"/>
-              <a:t>11/29/2015</a:t>
+              <a:t>12/23/2016</a:t>
             </a:fld>
             <a:endParaRPr lang="en-US"/>
           </a:p>
@@ -2067,10 +2064,9 @@
               <a:defRPr/>
             </a:pPr>
             <a:r>
-              <a:rPr lang="en-US" dirty="0" smtClean="0"/>
+              <a:rPr lang="en-US" dirty="0"/>
               <a:t>TeamSTARS "tsWxGTUI_PyVx" Toolkit prepared &amp; presented by Richard S. Gordon</a:t>
             </a:r>
-            <a:endParaRPr lang="en-US" dirty="0"/>
           </a:p>
         </p:txBody>
       </p:sp>
@@ -2251,7 +2247,7 @@
             </a:pPr>
             <a:fld id="{013FB6F9-CFEF-47AA-A08B-D90CED01DE9A}" type="datetime1">
               <a:rPr lang="en-US" smtClean="0"/>
-              <a:t>11/29/2015</a:t>
+              <a:t>12/23/2016</a:t>
             </a:fld>
             <a:endParaRPr lang="en-US"/>
           </a:p>
@@ -2282,10 +2278,9 @@
               <a:defRPr/>
             </a:pPr>
             <a:r>
-              <a:rPr lang="en-US" dirty="0" smtClean="0"/>
+              <a:rPr lang="en-US" dirty="0"/>
               <a:t>TeamSTARS "tsWxGTUI_PyVx" Toolkit prepared &amp; presented by Richard S. Gordon</a:t>
             </a:r>
-            <a:endParaRPr lang="en-US" dirty="0"/>
           </a:p>
         </p:txBody>
       </p:sp>
@@ -2560,7 +2555,7 @@
             </a:pPr>
             <a:fld id="{44D06F95-D493-494F-B0EB-3EDFAA385886}" type="datetime1">
               <a:rPr lang="en-US" smtClean="0"/>
-              <a:t>11/29/2015</a:t>
+              <a:t>12/23/2016</a:t>
             </a:fld>
             <a:endParaRPr lang="en-US"/>
           </a:p>
@@ -2591,10 +2586,9 @@
               <a:defRPr/>
             </a:pPr>
             <a:r>
-              <a:rPr lang="en-US" dirty="0" smtClean="0"/>
+              <a:rPr lang="en-US" dirty="0"/>
               <a:t>TeamSTARS "tsWxGTUI_PyVx" Toolkit prepared &amp; presented by Richard S. Gordon</a:t>
             </a:r>
-            <a:endParaRPr lang="en-US" dirty="0"/>
           </a:p>
         </p:txBody>
       </p:sp>
@@ -3008,7 +3002,7 @@
             </a:pPr>
             <a:fld id="{26FA81D3-96E1-4758-9306-72CE9F6E2F25}" type="datetime1">
               <a:rPr lang="en-US" smtClean="0"/>
-              <a:t>11/29/2015</a:t>
+              <a:t>12/23/2016</a:t>
             </a:fld>
             <a:endParaRPr lang="en-US"/>
           </a:p>
@@ -3039,10 +3033,9 @@
               <a:defRPr/>
             </a:pPr>
             <a:r>
-              <a:rPr lang="en-US" dirty="0" smtClean="0"/>
+              <a:rPr lang="en-US" dirty="0"/>
               <a:t>TeamSTARS "tsWxGTUI_PyVx" Toolkit prepared &amp; presented by Richard S. Gordon</a:t>
             </a:r>
-            <a:endParaRPr lang="en-US" dirty="0"/>
           </a:p>
         </p:txBody>
       </p:sp>
@@ -3149,7 +3142,7 @@
             </a:pPr>
             <a:fld id="{C22C02A3-FDB2-4B02-8110-311DDD8475C2}" type="datetime1">
               <a:rPr lang="en-US" smtClean="0"/>
-              <a:t>11/29/2015</a:t>
+              <a:t>12/23/2016</a:t>
             </a:fld>
             <a:endParaRPr lang="en-US"/>
           </a:p>
@@ -3180,10 +3173,9 @@
               <a:defRPr/>
             </a:pPr>
             <a:r>
-              <a:rPr lang="en-US" dirty="0" smtClean="0"/>
+              <a:rPr lang="en-US" dirty="0"/>
               <a:t>TeamSTARS "tsWxGTUI_PyVx" Toolkit prepared &amp; presented by Richard S. Gordon</a:t>
             </a:r>
-            <a:endParaRPr lang="en-US" dirty="0"/>
           </a:p>
         </p:txBody>
       </p:sp>
@@ -3266,7 +3258,7 @@
             </a:pPr>
             <a:fld id="{FB277746-3C8E-4161-A66B-B97D4FD5213A}" type="datetime1">
               <a:rPr lang="en-US" smtClean="0"/>
-              <a:t>11/29/2015</a:t>
+              <a:t>12/23/2016</a:t>
             </a:fld>
             <a:endParaRPr lang="en-US"/>
           </a:p>
@@ -3560,7 +3552,7 @@
             </a:pPr>
             <a:fld id="{86B778C6-FEB5-4910-BBA7-BBA76466D3B2}" type="datetime1">
               <a:rPr lang="en-US" smtClean="0"/>
-              <a:t>11/29/2015</a:t>
+              <a:t>12/23/2016</a:t>
             </a:fld>
             <a:endParaRPr lang="en-US"/>
           </a:p>
@@ -3591,10 +3583,9 @@
               <a:defRPr/>
             </a:pPr>
             <a:r>
-              <a:rPr lang="en-US" dirty="0" smtClean="0"/>
+              <a:rPr lang="en-US" dirty="0"/>
               <a:t>TeamSTARS "tsWxGTUI_PyVx" Toolkit prepared &amp; presented by Richard S. Gordon</a:t>
             </a:r>
-            <a:endParaRPr lang="en-US" dirty="0"/>
           </a:p>
         </p:txBody>
       </p:sp>
@@ -3837,7 +3828,7 @@
             </a:pPr>
             <a:fld id="{7A68BEE5-7335-4799-9F53-F65CFD274630}" type="datetime1">
               <a:rPr lang="en-US" smtClean="0"/>
-              <a:t>11/29/2015</a:t>
+              <a:t>12/23/2016</a:t>
             </a:fld>
             <a:endParaRPr lang="en-US"/>
           </a:p>
@@ -3868,10 +3859,9 @@
               <a:defRPr/>
             </a:pPr>
             <a:r>
-              <a:rPr lang="en-US" dirty="0" smtClean="0"/>
+              <a:rPr lang="en-US" dirty="0"/>
               <a:t>TeamSTARS "tsWxGTUI_PyVx" Toolkit prepared &amp; presented by Richard S. Gordon</a:t>
             </a:r>
-            <a:endParaRPr lang="en-US" dirty="0"/>
           </a:p>
         </p:txBody>
       </p:sp>
@@ -4251,7 +4241,7 @@
           <a:p>
             <a:pPr lvl="0"/>
             <a:r>
-              <a:rPr lang="en-US" smtClean="0"/>
+              <a:rPr lang="en-US"/>
               <a:t>Click to edit Master title style</a:t>
             </a:r>
           </a:p>
@@ -4293,35 +4283,35 @@
           <a:p>
             <a:pPr lvl="0"/>
             <a:r>
-              <a:rPr lang="en-US" smtClean="0"/>
+              <a:rPr lang="en-US"/>
               <a:t>Click to edit Master text styles</a:t>
             </a:r>
           </a:p>
           <a:p>
             <a:pPr lvl="1"/>
             <a:r>
-              <a:rPr lang="en-US" smtClean="0"/>
+              <a:rPr lang="en-US"/>
               <a:t>Second level</a:t>
             </a:r>
           </a:p>
           <a:p>
             <a:pPr lvl="2"/>
             <a:r>
-              <a:rPr lang="en-US" smtClean="0"/>
+              <a:rPr lang="en-US"/>
               <a:t>Third level</a:t>
             </a:r>
           </a:p>
           <a:p>
             <a:pPr lvl="3"/>
             <a:r>
-              <a:rPr lang="en-US" smtClean="0"/>
+              <a:rPr lang="en-US"/>
               <a:t>Fourth level</a:t>
             </a:r>
           </a:p>
           <a:p>
             <a:pPr lvl="4"/>
             <a:r>
-              <a:rPr lang="en-US" smtClean="0"/>
+              <a:rPr lang="en-US"/>
               <a:t>Fifth level</a:t>
             </a:r>
           </a:p>
@@ -4371,7 +4361,7 @@
             </a:pPr>
             <a:fld id="{45A933D1-86C7-45FF-B83F-CA5ED825AD11}" type="datetime1">
               <a:rPr lang="en-US" smtClean="0"/>
-              <a:t>11/29/2015</a:t>
+              <a:t>12/23/2016</a:t>
             </a:fld>
             <a:endParaRPr lang="en-US"/>
           </a:p>
@@ -4420,10 +4410,9 @@
               <a:defRPr/>
             </a:pPr>
             <a:r>
-              <a:rPr lang="en-US" dirty="0" smtClean="0"/>
+              <a:rPr lang="en-US" dirty="0"/>
               <a:t>TeamSTARS "tsWxGTUI_PyVx" Toolkit prepared &amp; presented by Richard S. Gordon</a:t>
             </a:r>
-            <a:endParaRPr lang="en-US" dirty="0"/>
           </a:p>
         </p:txBody>
       </p:sp>
@@ -4955,10 +4944,9 @@
           <a:lstStyle/>
           <a:p>
             <a:r>
-              <a:rPr lang="en-US" dirty="0" smtClean="0"/>
+              <a:rPr lang="en-US" dirty="0"/>
               <a:t>UseCase_8_ManPages</a:t>
             </a:r>
-            <a:endParaRPr lang="en-US" dirty="0"/>
           </a:p>
         </p:txBody>
       </p:sp>
@@ -4981,14 +4969,14 @@
               <a:buFont typeface="Wingdings" pitchFamily="2" charset="2"/>
               <a:buNone/>
             </a:pPr>
-            <a:endParaRPr lang="en-US" sz="2800" smtClean="0"/>
+            <a:endParaRPr lang="en-US" sz="2800"/>
           </a:p>
           <a:p>
             <a:pPr marL="0" indent="0" algn="ctr" eaLnBrk="1" hangingPunct="1">
               <a:buFont typeface="Wingdings" pitchFamily="2" charset="2"/>
               <a:buNone/>
             </a:pPr>
-            <a:endParaRPr lang="en-US" sz="2800" smtClean="0"/>
+            <a:endParaRPr lang="en-US" sz="2800"/>
           </a:p>
         </p:txBody>
       </p:sp>
@@ -5011,9 +4999,9 @@
           <a:p>
             <a:fld id="{878D0E70-D567-4EAD-BEEC-D30EFDF84A73}" type="datetime1">
               <a:rPr lang="en-US" smtClean="0"/>
-              <a:t>11/29/2015</a:t>
+              <a:t>12/23/2016</a:t>
             </a:fld>
-            <a:endParaRPr lang="en-US" smtClean="0"/>
+            <a:endParaRPr lang="en-US"/>
           </a:p>
         </p:txBody>
       </p:sp>
@@ -5069,34 +5057,32 @@
       </p:sp>
       <p:pic>
         <p:nvPicPr>
-          <p:cNvPr id="6151" name="Picture 5" descr="tsWxGTUI_PyVx Masthead"/>
+          <p:cNvPr id="3" name="Picture 2"/>
           <p:cNvPicPr>
-            <a:picLocks noChangeAspect="1" noChangeArrowheads="1"/>
+            <a:picLocks noChangeAspect="1"/>
           </p:cNvPicPr>
           <p:nvPr/>
         </p:nvPicPr>
         <p:blipFill>
-          <a:blip r:embed="rId3"/>
-          <a:srcRect/>
+          <a:blip r:embed="rId3">
+            <a:extLst>
+              <a:ext uri="{28A0092B-C50C-407E-A947-70E740481C1C}">
+                <a14:useLocalDpi xmlns:a14="http://schemas.microsoft.com/office/drawing/2010/main" val="0"/>
+              </a:ext>
+            </a:extLst>
+          </a:blip>
           <a:stretch>
             <a:fillRect/>
           </a:stretch>
         </p:blipFill>
-        <p:spPr bwMode="auto">
+        <p:spPr>
           <a:xfrm>
-            <a:off x="1524000" y="2195513"/>
-            <a:ext cx="9196388" cy="2259012"/>
+            <a:off x="573741" y="2419349"/>
+            <a:ext cx="10919011" cy="3470511"/>
           </a:xfrm>
           <a:prstGeom prst="rect">
             <a:avLst/>
           </a:prstGeom>
-          <a:noFill/>
-          <a:ln w="9525">
-            <a:noFill/>
-            <a:miter lim="800000"/>
-            <a:headEnd/>
-            <a:tailEnd/>
-          </a:ln>
         </p:spPr>
       </p:pic>
     </p:spTree>
@@ -5105,13 +5091,6 @@
     <a:masterClrMapping/>
   </p:clrMapOvr>
   <p:transition/>
-  <p:timing>
-    <p:tnLst>
-      <p:par>
-        <p:cTn id="1" dur="indefinite" restart="never" nodeType="tmRoot"/>
-      </p:par>
-    </p:tnLst>
-  </p:timing>
 </p:sld>
 </file>
 
@@ -5148,10 +5127,9 @@
           <a:lstStyle/>
           <a:p>
             <a:r>
-              <a:rPr lang="en-US" dirty="0" smtClean="0"/>
+              <a:rPr lang="en-US" dirty="0"/>
               <a:t>Manual Pages</a:t>
             </a:r>
-            <a:endParaRPr lang="en-US" dirty="0"/>
           </a:p>
         </p:txBody>
       </p:sp>
@@ -5171,132 +5149,28 @@
           <a:lstStyle/>
           <a:p>
             <a:r>
-              <a:rPr lang="en-US" sz="2400" dirty="0" smtClean="0"/>
-              <a:t>Manual </a:t>
-            </a:r>
-            <a:r>
               <a:rPr lang="en-US" sz="2400" dirty="0"/>
-              <a:t>pages are </a:t>
-            </a:r>
-            <a:r>
-              <a:rPr lang="en-US" sz="2400" dirty="0" smtClean="0"/>
-              <a:t>a form </a:t>
-            </a:r>
+              <a:t>Manual pages are a form of online software documentation usually found on a Linux, Mac OS X, Microsoft Windows (with Cygwin plug-in), Unix or Unix-like operating system.</a:t>
+            </a:r>
+          </a:p>
+          <a:p>
             <a:r>
               <a:rPr lang="en-US" sz="2400" dirty="0"/>
-              <a:t>of online software </a:t>
-            </a:r>
-            <a:r>
-              <a:rPr lang="en-US" sz="2400" dirty="0" smtClean="0"/>
-              <a:t>documentation </a:t>
-            </a:r>
+              <a:t>Topics covered include computer programs (including library and system calls), formal standards and conventions, and even abstract concepts.</a:t>
+            </a:r>
+          </a:p>
+          <a:p>
             <a:r>
               <a:rPr lang="en-US" sz="2400" dirty="0"/>
-              <a:t>usually found on a </a:t>
-            </a:r>
-            <a:r>
-              <a:rPr lang="en-US" sz="2400" dirty="0" smtClean="0"/>
-              <a:t>Linux, Mac OS X, Microsoft Windows (with Cygwin plug-in), Unix </a:t>
+              <a:t>The “</a:t>
+            </a:r>
+            <a:r>
+              <a:rPr lang="en-US" sz="2400" dirty="0" err="1"/>
+              <a:t>tsWxGTUI_PyVx</a:t>
             </a:r>
             <a:r>
               <a:rPr lang="en-US" sz="2400" dirty="0"/>
-              <a:t>or Unix-like </a:t>
-            </a:r>
-            <a:r>
-              <a:rPr lang="en-US" sz="2400" dirty="0" smtClean="0"/>
-              <a:t>operating </a:t>
-            </a:r>
-            <a:r>
-              <a:rPr lang="en-US" sz="2400" dirty="0"/>
-              <a:t>system</a:t>
-            </a:r>
-            <a:r>
-              <a:rPr lang="en-US" sz="2400" dirty="0" smtClean="0"/>
-              <a:t>.</a:t>
-            </a:r>
-          </a:p>
-          <a:p>
-            <a:r>
-              <a:rPr lang="en-US" sz="2400" dirty="0" smtClean="0"/>
-              <a:t>Topics </a:t>
-            </a:r>
-            <a:r>
-              <a:rPr lang="en-US" sz="2400" dirty="0"/>
-              <a:t>covered include computer programs </a:t>
-            </a:r>
-            <a:r>
-              <a:rPr lang="en-US" sz="2400" dirty="0" smtClean="0"/>
-              <a:t>(</a:t>
-            </a:r>
-            <a:r>
-              <a:rPr lang="en-US" sz="2400" dirty="0"/>
-              <a:t>including library and system calls), </a:t>
-            </a:r>
-            <a:r>
-              <a:rPr lang="en-US" sz="2400" dirty="0" smtClean="0"/>
-              <a:t>formal </a:t>
-            </a:r>
-            <a:r>
-              <a:rPr lang="en-US" sz="2400" dirty="0"/>
-              <a:t>standards and conventions, and </a:t>
-            </a:r>
-            <a:r>
-              <a:rPr lang="en-US" sz="2400" dirty="0" smtClean="0"/>
-              <a:t>even </a:t>
-            </a:r>
-            <a:r>
-              <a:rPr lang="en-US" sz="2400" dirty="0"/>
-              <a:t>abstract </a:t>
-            </a:r>
-            <a:r>
-              <a:rPr lang="en-US" sz="2400" dirty="0" smtClean="0"/>
-              <a:t>concepts.</a:t>
-            </a:r>
-          </a:p>
-          <a:p>
-            <a:r>
-              <a:rPr lang="en-US" sz="2400" dirty="0" smtClean="0"/>
-              <a:t>The “</a:t>
-            </a:r>
-            <a:r>
-              <a:rPr lang="en-US" sz="2400" dirty="0" err="1" smtClean="0"/>
-              <a:t>tsWxGTUI_PyVx</a:t>
-            </a:r>
-            <a:r>
-              <a:rPr lang="en-US" sz="2400" dirty="0" smtClean="0"/>
-              <a:t>” Toolkit user </a:t>
-            </a:r>
-            <a:r>
-              <a:rPr lang="en-US" sz="2400" dirty="0"/>
-              <a:t>may NOT invoke a man page by </a:t>
-            </a:r>
-            <a:r>
-              <a:rPr lang="en-US" sz="2400" dirty="0" smtClean="0"/>
-              <a:t>issuing </a:t>
-            </a:r>
-            <a:r>
-              <a:rPr lang="en-US" sz="2400" dirty="0"/>
-              <a:t>the man command. Instead, </a:t>
-            </a:r>
-            <a:r>
-              <a:rPr lang="en-US" sz="2400" dirty="0" smtClean="0"/>
-              <a:t>the Toolkit </a:t>
-            </a:r>
-            <a:r>
-              <a:rPr lang="en-US" sz="2400" dirty="0"/>
-              <a:t>user </a:t>
-            </a:r>
-            <a:r>
-              <a:rPr lang="en-US" sz="2400" dirty="0" smtClean="0"/>
-              <a:t>may </a:t>
-            </a:r>
-            <a:r>
-              <a:rPr lang="en-US" sz="2400" dirty="0"/>
-              <a:t>launch a Web browser </a:t>
-            </a:r>
-            <a:r>
-              <a:rPr lang="en-US" sz="2400" dirty="0" smtClean="0"/>
-              <a:t>by clicking on any of following table of contents entries. The Web browser will then list man pages. The browser will display the contents of any file clicked on.</a:t>
+              <a:t>” Toolkit user may NOT invoke a man page by issuing the man command. Instead, the Toolkit user may launch a Web browser by clicking on any of following table of contents entries. The Web browser will then list man pages. The browser will display the contents of any file clicked on.</a:t>
             </a:r>
           </a:p>
         </p:txBody>
@@ -5321,7 +5195,7 @@
             </a:pPr>
             <a:fld id="{65B11A62-63AA-4067-ACEB-AA6A42CE3A38}" type="datetime1">
               <a:rPr lang="en-US" smtClean="0"/>
-              <a:t>11/29/2015</a:t>
+              <a:t>12/23/2016</a:t>
             </a:fld>
             <a:endParaRPr lang="en-US" dirty="0"/>
           </a:p>
@@ -5346,7 +5220,7 @@
               <a:defRPr/>
             </a:pPr>
             <a:r>
-              <a:rPr lang="en-US" smtClean="0"/>
+              <a:rPr lang="en-US"/>
               <a:t>TeamSTARS "tsWxGTUI_PyVx" Toolkit prepared &amp; presented by Richard S. Gordon</a:t>
             </a:r>
             <a:endParaRPr lang="en-US" dirty="0"/>
@@ -5369,10 +5243,9 @@
           <a:lstStyle/>
           <a:p>
             <a:r>
-              <a:rPr lang="en-US" dirty="0" smtClean="0"/>
+              <a:rPr lang="en-US" dirty="0"/>
               <a:t>W</a:t>
             </a:r>
-            <a:endParaRPr lang="en-US" dirty="0"/>
           </a:p>
         </p:txBody>
       </p:sp>
@@ -5423,23 +5296,23 @@
           <a:p>
             <a:pPr eaLnBrk="1" hangingPunct="1"/>
             <a:r>
-              <a:rPr lang="en-US" dirty="0" smtClean="0"/>
+              <a:rPr lang="en-US" dirty="0"/>
               <a:t>Table of Contents </a:t>
             </a:r>
             <a:r>
-              <a:rPr lang="en-US" sz="2000" dirty="0" smtClean="0"/>
+              <a:rPr lang="en-US" sz="2000" dirty="0"/>
               <a:t>(</a:t>
             </a:r>
             <a:r>
-              <a:rPr lang="en-US" sz="2000" i="1" dirty="0" smtClean="0"/>
+              <a:rPr lang="en-US" sz="2000" i="1" dirty="0"/>
               <a:t>with slide show</a:t>
             </a:r>
             <a:r>
-              <a:rPr lang="en-US" sz="2000" dirty="0" smtClean="0"/>
+              <a:rPr lang="en-US" sz="2000" dirty="0"/>
               <a:t> </a:t>
             </a:r>
             <a:r>
-              <a:rPr lang="en-US" sz="2000" u="sng" dirty="0" smtClean="0">
+              <a:rPr lang="en-US" sz="2000" u="sng" dirty="0">
                 <a:solidFill>
                   <a:srgbClr val="FF0000"/>
                 </a:solidFill>
@@ -5447,7 +5320,7 @@
               <a:t>Hyperlinks</a:t>
             </a:r>
             <a:r>
-              <a:rPr lang="en-US" sz="2000" dirty="0" smtClean="0"/>
+              <a:rPr lang="en-US" sz="2000" dirty="0"/>
               <a:t>)</a:t>
             </a:r>
           </a:p>
@@ -5472,21 +5345,21 @@
               <a:buNone/>
             </a:pPr>
             <a:r>
-              <a:rPr lang="en-US" sz="2400" dirty="0" smtClean="0"/>
+              <a:rPr lang="en-US" sz="2400" dirty="0"/>
               <a:t>Command Line Interface (CLI)</a:t>
             </a:r>
-            <a:endParaRPr lang="en-US" sz="2400" dirty="0" smtClean="0">
+            <a:endParaRPr lang="en-US" sz="2400" dirty="0">
               <a:hlinkClick r:id="rId3"/>
             </a:endParaRPr>
           </a:p>
           <a:p>
             <a:r>
-              <a:rPr lang="en-US" sz="2400" dirty="0" smtClean="0">
+              <a:rPr lang="en-US" sz="2400" dirty="0">
                 <a:hlinkClick r:id="rId3"/>
               </a:rPr>
               <a:t>tsManPagesLibCLI</a:t>
             </a:r>
-            <a:endParaRPr lang="en-US" sz="2400" dirty="0" smtClean="0"/>
+            <a:endParaRPr lang="en-US" sz="2400" dirty="0"/>
           </a:p>
           <a:p>
             <a:r>
@@ -5508,7 +5381,7 @@
           </a:p>
           <a:p>
             <a:r>
-              <a:rPr lang="en-US" sz="2400" dirty="0" smtClean="0">
+              <a:rPr lang="en-US" sz="2400" dirty="0">
                 <a:hlinkClick r:id="rId6"/>
               </a:rPr>
               <a:t>tsManPagesToolsLibCLI</a:t>
@@ -5536,7 +5409,7 @@
               <a:buNone/>
             </a:pPr>
             <a:r>
-              <a:rPr lang="en-US" sz="2400" dirty="0" smtClean="0"/>
+              <a:rPr lang="en-US" sz="2400" dirty="0"/>
               <a:t>Graphical User Interface (GUI)</a:t>
             </a:r>
           </a:p>
@@ -5560,18 +5433,9 @@
           </a:p>
           <a:p>
             <a:r>
-              <a:rPr lang="en-US" sz="2400" dirty="0" smtClean="0"/>
-              <a:t>tsManPagesToolsLibGUI (</a:t>
-            </a:r>
-            <a:r>
               <a:rPr lang="en-US" sz="2400" dirty="0"/>
-              <a:t>Future</a:t>
-            </a:r>
-            <a:r>
-              <a:rPr lang="en-US" sz="2400" dirty="0" smtClean="0"/>
-              <a:t>)</a:t>
-            </a:r>
-            <a:endParaRPr lang="en-US" sz="2400" dirty="0"/>
+              <a:t>tsManPagesToolsLibGUI (Future)</a:t>
+            </a:r>
           </a:p>
         </p:txBody>
       </p:sp>
@@ -5594,9 +5458,9 @@
           <a:p>
             <a:fld id="{594743C1-DE31-4E12-9F9F-1BA9DE6E7B96}" type="datetime1">
               <a:rPr lang="en-US" smtClean="0"/>
-              <a:t>11/29/2015</a:t>
+              <a:t>12/23/2016</a:t>
             </a:fld>
-            <a:endParaRPr lang="en-US" smtClean="0"/>
+            <a:endParaRPr lang="en-US"/>
           </a:p>
         </p:txBody>
       </p:sp>
@@ -5656,13 +5520,6 @@
     <a:masterClrMapping/>
   </p:clrMapOvr>
   <p:transition/>
-  <p:timing>
-    <p:tnLst>
-      <p:par>
-        <p:cTn id="1" dur="indefinite" restart="never" nodeType="tmRoot"/>
-      </p:par>
-    </p:tnLst>
-  </p:timing>
 </p:sld>
 </file>
 
